--- a/docs/diagrams/SetupSequenceDiagram.pptx
+++ b/docs/diagrams/SetupSequenceDiagram.pptx
@@ -5967,14 +5967,13 @@
           </p:cNvPr>
           <p:cNvCxnSpPr>
             <a:cxnSpLocks/>
-            <a:stCxn id="72" idx="2"/>
           </p:cNvCxnSpPr>
           <p:nvPr/>
         </p:nvCxnSpPr>
         <p:spPr>
           <a:xfrm>
-            <a:off x="7650844" y="4846526"/>
-            <a:ext cx="10179" cy="1779050"/>
+            <a:off x="7591901" y="4696436"/>
+            <a:ext cx="20041" cy="1853760"/>
           </a:xfrm>
           <a:prstGeom prst="line">
             <a:avLst/>
